--- a/KIP/3 курс ПКС/Практика /ПравОбесп/бизнес-план.pptx
+++ b/KIP/3 курс ПКС/Практика /ПравОбесп/бизнес-план.pptx
@@ -119,6 +119,11 @@
       </a:defRPr>
     </a:lvl9pPr>
   </p:defaultTextStyle>
+  <p:extLst>
+    <p:ext uri="{EFAFB233-063F-42B5-8137-9DF3F51BA10A}">
+      <p15:sldGuideLst xmlns:p15="http://schemas.microsoft.com/office/powerpoint/2012/main"/>
+    </p:ext>
+  </p:extLst>
 </p:presentation>
 </file>
 
@@ -7648,71 +7653,6 @@
             <a:r>
               <a:rPr lang="ru-RU" dirty="0"/>
               <a:t>Зайцев Н. Гивчак Д. Мацапура А.</a:t>
-            </a:r>
-          </a:p>
-        </p:txBody>
-      </p:sp>
-      <p:pic>
-        <p:nvPicPr>
-          <p:cNvPr id="8" name="Рисунок 7">
-            <a:extLst>
-              <a:ext uri="{FF2B5EF4-FFF2-40B4-BE49-F238E27FC236}">
-                <a16:creationId xmlns:a16="http://schemas.microsoft.com/office/drawing/2014/main" id="{889A90AA-9D57-944A-ADD2-70FAF7020359}"/>
-              </a:ext>
-            </a:extLst>
-          </p:cNvPr>
-          <p:cNvPicPr>
-            <a:picLocks noChangeAspect="1"/>
-          </p:cNvPicPr>
-          <p:nvPr/>
-        </p:nvPicPr>
-        <p:blipFill>
-          <a:blip r:embed="rId2"/>
-          <a:stretch>
-            <a:fillRect/>
-          </a:stretch>
-        </p:blipFill>
-        <p:spPr>
-          <a:xfrm>
-            <a:off x="9056824" y="1499188"/>
-            <a:ext cx="3234426" cy="2751221"/>
-          </a:xfrm>
-          <a:prstGeom prst="rect">
-            <a:avLst/>
-          </a:prstGeom>
-        </p:spPr>
-      </p:pic>
-      <p:sp>
-        <p:nvSpPr>
-          <p:cNvPr id="9" name="TextBox 8">
-            <a:extLst>
-              <a:ext uri="{FF2B5EF4-FFF2-40B4-BE49-F238E27FC236}">
-                <a16:creationId xmlns:a16="http://schemas.microsoft.com/office/drawing/2014/main" id="{9653B9FE-C80B-9941-9892-BC427DA89C96}"/>
-              </a:ext>
-            </a:extLst>
-          </p:cNvPr>
-          <p:cNvSpPr txBox="1"/>
-          <p:nvPr/>
-        </p:nvSpPr>
-        <p:spPr>
-          <a:xfrm>
-            <a:off x="5998866" y="2076647"/>
-            <a:ext cx="3262432" cy="369332"/>
-          </a:xfrm>
-          <a:prstGeom prst="rect">
-            <a:avLst/>
-          </a:prstGeom>
-          <a:noFill/>
-        </p:spPr>
-        <p:txBody>
-          <a:bodyPr wrap="none" rtlCol="0">
-            <a:spAutoFit/>
-          </a:bodyPr>
-          <a:lstStyle/>
-          <a:p>
-            <a:r>
-              <a:rPr lang="ru-RU" dirty="0"/>
-              <a:t>Добро пожаловать, славяне!</a:t>
             </a:r>
           </a:p>
         </p:txBody>

--- a/KIP/3 курс ПКС/Практика /ПравОбесп/бизнес-план.pptx
+++ b/KIP/3 курс ПКС/Практика /ПравОбесп/бизнес-план.pptx
@@ -21,6 +21,7 @@
     <p:sldId id="269" r:id="rId15"/>
     <p:sldId id="270" r:id="rId16"/>
     <p:sldId id="271" r:id="rId17"/>
+    <p:sldId id="272" r:id="rId18"/>
   </p:sldIdLst>
   <p:sldSz cx="12192000" cy="6858000"/>
   <p:notesSz cx="6858000" cy="9144000"/>
@@ -401,7 +402,7 @@
           <a:p>
             <a:fld id="{78ABE3C1-DBE1-495D-B57B-2849774B866A}" type="datetimeFigureOut">
               <a:rPr lang="en-US" dirty="0"/>
-              <a:t>1/14/19</a:t>
+              <a:t>1/16/19</a:t>
             </a:fld>
             <a:endParaRPr lang="en-US" dirty="0"/>
           </a:p>
@@ -815,7 +816,7 @@
           <a:p>
             <a:fld id="{446C117F-5CCF-4837-BE5F-2B92066CAFAF}" type="datetimeFigureOut">
               <a:rPr lang="en-US" dirty="0"/>
-              <a:t>1/14/19</a:t>
+              <a:t>1/16/19</a:t>
             </a:fld>
             <a:endParaRPr lang="en-US" dirty="0"/>
           </a:p>
@@ -1151,7 +1152,7 @@
           <a:p>
             <a:fld id="{84EB90BD-B6CE-46B7-997F-7313B992CCDC}" type="datetimeFigureOut">
               <a:rPr lang="en-US" dirty="0"/>
-              <a:t>1/14/19</a:t>
+              <a:t>1/16/19</a:t>
             </a:fld>
             <a:endParaRPr lang="en-US" dirty="0"/>
           </a:p>
@@ -1561,7 +1562,7 @@
           <a:p>
             <a:fld id="{CDB9D11F-B188-461D-B23F-39381795C052}" type="datetimeFigureOut">
               <a:rPr lang="en-US" dirty="0"/>
-              <a:t>1/14/19</a:t>
+              <a:t>1/16/19</a:t>
             </a:fld>
             <a:endParaRPr lang="en-US" dirty="0"/>
           </a:p>
@@ -2129,7 +2130,7 @@
           <a:p>
             <a:fld id="{52E6D8D9-55A2-4063-B0F3-121F44549695}" type="datetimeFigureOut">
               <a:rPr lang="en-US" dirty="0"/>
-              <a:t>1/14/19</a:t>
+              <a:t>1/16/19</a:t>
             </a:fld>
             <a:endParaRPr lang="en-US" dirty="0"/>
           </a:p>
@@ -2835,7 +2836,7 @@
           <a:p>
             <a:fld id="{D4B24536-994D-4021-A283-9F449C0DB509}" type="datetimeFigureOut">
               <a:rPr lang="en-US" dirty="0"/>
-              <a:t>1/14/19</a:t>
+              <a:t>1/16/19</a:t>
             </a:fld>
             <a:endParaRPr lang="en-US" dirty="0"/>
           </a:p>
@@ -3773,7 +3774,7 @@
           <a:p>
             <a:fld id="{3CBBBB78-C96F-47B7-AB17-D852CA960AC9}" type="datetimeFigureOut">
               <a:rPr lang="en-US" dirty="0"/>
-              <a:t>1/14/19</a:t>
+              <a:t>1/16/19</a:t>
             </a:fld>
             <a:endParaRPr lang="en-US" dirty="0"/>
           </a:p>
@@ -4057,7 +4058,7 @@
           <a:p>
             <a:fld id="{1FA3F48C-C7C6-4055-9F49-3777875E72AE}" type="datetimeFigureOut">
               <a:rPr lang="en-US" dirty="0"/>
-              <a:t>1/14/19</a:t>
+              <a:t>1/16/19</a:t>
             </a:fld>
             <a:endParaRPr lang="en-US" dirty="0"/>
           </a:p>
@@ -4292,7 +4293,7 @@
           <a:p>
             <a:fld id="{6178E61D-D431-422C-9764-11DAFE33AB63}" type="datetimeFigureOut">
               <a:rPr lang="en-US" dirty="0"/>
-              <a:t>1/14/19</a:t>
+              <a:t>1/16/19</a:t>
             </a:fld>
             <a:endParaRPr lang="en-US" dirty="0"/>
           </a:p>
@@ -4587,7 +4588,7 @@
           <a:p>
             <a:fld id="{12DE42F4-6EEF-4EF7-8ED4-2208F0F89A08}" type="datetimeFigureOut">
               <a:rPr lang="en-US" dirty="0"/>
-              <a:t>1/14/19</a:t>
+              <a:t>1/16/19</a:t>
             </a:fld>
             <a:endParaRPr lang="en-US" dirty="0"/>
           </a:p>
@@ -4976,7 +4977,7 @@
           <a:p>
             <a:fld id="{30578ACC-22D6-47C1-A373-4FD133E34F3C}" type="datetimeFigureOut">
               <a:rPr lang="en-US" dirty="0"/>
-              <a:t>1/14/19</a:t>
+              <a:t>1/16/19</a:t>
             </a:fld>
             <a:endParaRPr lang="en-US" dirty="0"/>
           </a:p>
@@ -5299,7 +5300,7 @@
           <a:p>
             <a:fld id="{4E5A6C69-6797-4E8A-BF37-F2C3751466E9}" type="datetimeFigureOut">
               <a:rPr lang="en-US" dirty="0"/>
-              <a:t>1/14/19</a:t>
+              <a:t>1/16/19</a:t>
             </a:fld>
             <a:endParaRPr lang="en-US" dirty="0"/>
           </a:p>
@@ -5762,7 +5763,7 @@
           <a:p>
             <a:fld id="{D82014A1-A632-4878-A0D3-F52BA7563730}" type="datetimeFigureOut">
               <a:rPr lang="en-US" dirty="0"/>
-              <a:t>1/14/19</a:t>
+              <a:t>1/16/19</a:t>
             </a:fld>
             <a:endParaRPr lang="en-US" dirty="0"/>
           </a:p>
@@ -6014,7 +6015,7 @@
           <a:p>
             <a:fld id="{CE99F462-093F-4566-844B-4C71F2739DA5}" type="datetimeFigureOut">
               <a:rPr lang="en-US" dirty="0"/>
-              <a:t>1/14/19</a:t>
+              <a:t>1/16/19</a:t>
             </a:fld>
             <a:endParaRPr lang="en-US" dirty="0"/>
           </a:p>
@@ -6172,7 +6173,7 @@
           <a:p>
             <a:fld id="{3D24A7AC-904D-4781-85BA-7D10C17ED021}" type="datetimeFigureOut">
               <a:rPr lang="en-US" dirty="0"/>
-              <a:t>1/14/19</a:t>
+              <a:t>1/16/19</a:t>
             </a:fld>
             <a:endParaRPr lang="en-US" dirty="0"/>
           </a:p>
@@ -6538,7 +6539,7 @@
           <a:p>
             <a:fld id="{E331444B-B92B-4E27-8C94-BB93EAF5CB18}" type="datetimeFigureOut">
               <a:rPr lang="en-US" dirty="0"/>
-              <a:t>1/14/19</a:t>
+              <a:t>1/16/19</a:t>
             </a:fld>
             <a:endParaRPr lang="en-US" dirty="0"/>
           </a:p>
@@ -6947,7 +6948,7 @@
           <a:p>
             <a:fld id="{363EFA5E-FA76-400D-B3DC-F0BA90E6D107}" type="datetimeFigureOut">
               <a:rPr lang="en-US" dirty="0"/>
-              <a:t>1/14/19</a:t>
+              <a:t>1/16/19</a:t>
             </a:fld>
             <a:endParaRPr lang="en-US" dirty="0"/>
           </a:p>
@@ -7162,7 +7163,7 @@
           <a:p>
             <a:fld id="{9D6E9DEC-419B-4CC5-A080-3B06BD5A8291}" type="datetimeFigureOut">
               <a:rPr lang="en-US" dirty="0"/>
-              <a:t>1/14/19</a:t>
+              <a:t>1/16/19</a:t>
             </a:fld>
             <a:endParaRPr lang="en-US" dirty="0"/>
           </a:p>
@@ -11248,6 +11249,64 @@
 </p:sld>
 </file>
 
+<file path=ppt/slides/slide17.xml><?xml version="1.0" encoding="utf-8"?>
+<p:sld xmlns:a="http://schemas.openxmlformats.org/drawingml/2006/main" xmlns:r="http://schemas.openxmlformats.org/officeDocument/2006/relationships" xmlns:p="http://schemas.openxmlformats.org/presentationml/2006/main">
+  <p:cSld>
+    <p:spTree>
+      <p:nvGrpSpPr>
+        <p:cNvPr id="1" name=""/>
+        <p:cNvGrpSpPr/>
+        <p:nvPr/>
+      </p:nvGrpSpPr>
+      <p:grpSpPr>
+        <a:xfrm>
+          <a:off x="0" y="0"/>
+          <a:ext cx="0" cy="0"/>
+          <a:chOff x="0" y="0"/>
+          <a:chExt cx="0" cy="0"/>
+        </a:xfrm>
+      </p:grpSpPr>
+      <p:sp>
+        <p:nvSpPr>
+          <p:cNvPr id="2" name="Заголовок 1">
+            <a:extLst>
+              <a:ext uri="{FF2B5EF4-FFF2-40B4-BE49-F238E27FC236}">
+                <a16:creationId xmlns:a16="http://schemas.microsoft.com/office/drawing/2014/main" id="{412751A7-EA74-BB4A-9E49-8F3624474E8E}"/>
+              </a:ext>
+            </a:extLst>
+          </p:cNvPr>
+          <p:cNvSpPr>
+            <a:spLocks noGrp="1"/>
+          </p:cNvSpPr>
+          <p:nvPr>
+            <p:ph type="title"/>
+          </p:nvPr>
+        </p:nvSpPr>
+        <p:spPr/>
+        <p:txBody>
+          <a:bodyPr/>
+          <a:lstStyle/>
+          <a:p>
+            <a:r>
+              <a:rPr lang="ru-RU" dirty="0"/>
+              <a:t>Спасибо за внимание!</a:t>
+            </a:r>
+          </a:p>
+        </p:txBody>
+      </p:sp>
+    </p:spTree>
+    <p:extLst>
+      <p:ext uri="{BB962C8B-B14F-4D97-AF65-F5344CB8AC3E}">
+        <p14:creationId xmlns:p14="http://schemas.microsoft.com/office/powerpoint/2010/main" val="1396874056"/>
+      </p:ext>
+    </p:extLst>
+  </p:cSld>
+  <p:clrMapOvr>
+    <a:masterClrMapping/>
+  </p:clrMapOvr>
+</p:sld>
+</file>
+
 <file path=ppt/slides/slide2.xml><?xml version="1.0" encoding="utf-8"?>
 <p:sld xmlns:a="http://schemas.openxmlformats.org/drawingml/2006/main" xmlns:r="http://schemas.openxmlformats.org/officeDocument/2006/relationships" xmlns:p="http://schemas.openxmlformats.org/presentationml/2006/main">
   <p:cSld>
